--- a/Aula 04/2023.03.20 Aula 04 - Interactive Traffic, Chase Effect, Interactive Chase Effect v1.pptx
+++ b/Aula 04/2023.03.20 Aula 04 - Interactive Traffic, Chase Effect, Interactive Chase Effect v1.pptx
@@ -6,7 +6,7 @@
     <p:sldMasterId id="2147483699" r:id="rId2"/>
   </p:sldMasterIdLst>
   <p:notesMasterIdLst>
-    <p:notesMasterId r:id="rId24"/>
+    <p:notesMasterId r:id="rId23"/>
   </p:notesMasterIdLst>
   <p:sldIdLst>
     <p:sldId id="398" r:id="rId3"/>
@@ -21,15 +21,14 @@
     <p:sldId id="847" r:id="rId12"/>
     <p:sldId id="848" r:id="rId13"/>
     <p:sldId id="849" r:id="rId14"/>
-    <p:sldId id="850" r:id="rId15"/>
-    <p:sldId id="851" r:id="rId16"/>
-    <p:sldId id="852" r:id="rId17"/>
-    <p:sldId id="834" r:id="rId18"/>
-    <p:sldId id="853" r:id="rId19"/>
-    <p:sldId id="855" r:id="rId20"/>
-    <p:sldId id="854" r:id="rId21"/>
-    <p:sldId id="856" r:id="rId22"/>
-    <p:sldId id="812" r:id="rId23"/>
+    <p:sldId id="851" r:id="rId15"/>
+    <p:sldId id="852" r:id="rId16"/>
+    <p:sldId id="834" r:id="rId17"/>
+    <p:sldId id="853" r:id="rId18"/>
+    <p:sldId id="855" r:id="rId19"/>
+    <p:sldId id="854" r:id="rId20"/>
+    <p:sldId id="856" r:id="rId21"/>
+    <p:sldId id="812" r:id="rId22"/>
   </p:sldIdLst>
   <p:sldSz cx="9144000" cy="6858000" type="screen4x3"/>
   <p:notesSz cx="6858000" cy="9144000"/>
@@ -230,7 +229,7 @@
             <a:fld id="{4EA5E1ED-E65E-440E-8A4B-5F5DC973F797}" type="datetimeFigureOut">
               <a:rPr lang="pt-BR" smtClean="0"/>
               <a:pPr/>
-              <a:t>14/03/2023</a:t>
+              <a:t>20/03/2023</a:t>
             </a:fld>
             <a:endParaRPr lang="pt-BR"/>
           </a:p>
@@ -647,7 +646,7 @@
           <a:p>
             <a:fld id="{1787AD07-0C2A-424C-83EF-FCCF4A0D3BA0}" type="datetime1">
               <a:rPr lang="pt-BR" smtClean="0"/>
-              <a:t>14/03/2023</a:t>
+              <a:t>20/03/2023</a:t>
             </a:fld>
             <a:endParaRPr lang="pt-BR"/>
           </a:p>
@@ -816,7 +815,7 @@
           <a:p>
             <a:fld id="{2F92FB66-59C8-46A5-AD82-5DAAFD2DC390}" type="datetime1">
               <a:rPr lang="pt-BR" smtClean="0"/>
-              <a:t>14/03/2023</a:t>
+              <a:t>20/03/2023</a:t>
             </a:fld>
             <a:endParaRPr lang="pt-BR"/>
           </a:p>
@@ -995,7 +994,7 @@
           <a:p>
             <a:fld id="{3D5CC8D2-C61E-4471-AD68-1C0D45A8EAFC}" type="datetime1">
               <a:rPr lang="pt-BR" smtClean="0"/>
-              <a:t>14/03/2023</a:t>
+              <a:t>20/03/2023</a:t>
             </a:fld>
             <a:endParaRPr lang="pt-BR"/>
           </a:p>
@@ -1138,7 +1137,7 @@
           <a:p>
             <a:fld id="{C3E38981-C08A-4A29-B885-392FB4EE0709}" type="datetime1">
               <a:rPr lang="pt-BR" smtClean="0"/>
-              <a:t>14/03/2023</a:t>
+              <a:t>20/03/2023</a:t>
             </a:fld>
             <a:endParaRPr lang="en-US" dirty="0"/>
           </a:p>
@@ -1523,7 +1522,7 @@
           <a:p>
             <a:fld id="{2CFE63D7-5B4A-40A4-8FD4-EA63D1010EB7}" type="datetime1">
               <a:rPr lang="pt-BR" smtClean="0"/>
-              <a:t>14/03/2023</a:t>
+              <a:t>20/03/2023</a:t>
             </a:fld>
             <a:endParaRPr lang="en-US" dirty="0"/>
           </a:p>
@@ -1745,7 +1744,7 @@
           <a:p>
             <a:fld id="{A9719147-5557-4D76-A2C3-BF25882771D2}" type="datetime1">
               <a:rPr lang="pt-BR" smtClean="0"/>
-              <a:t>14/03/2023</a:t>
+              <a:t>20/03/2023</a:t>
             </a:fld>
             <a:endParaRPr lang="en-US" dirty="0"/>
           </a:p>
@@ -2058,7 +2057,7 @@
           <a:p>
             <a:fld id="{66250340-7104-44A8-88A9-88532CCE9C1C}" type="datetime1">
               <a:rPr lang="pt-BR" smtClean="0"/>
-              <a:t>14/03/2023</a:t>
+              <a:t>20/03/2023</a:t>
             </a:fld>
             <a:endParaRPr lang="en-US" dirty="0"/>
           </a:p>
@@ -2243,7 +2242,7 @@
           <a:p>
             <a:fld id="{D047EA32-7810-48BE-A9BB-EA3D8AA5AD34}" type="datetime1">
               <a:rPr lang="pt-BR" smtClean="0"/>
-              <a:t>14/03/2023</a:t>
+              <a:t>20/03/2023</a:t>
             </a:fld>
             <a:endParaRPr lang="en-US" dirty="0"/>
           </a:p>
@@ -2391,7 +2390,7 @@
           <a:p>
             <a:fld id="{7C28E9E9-B91F-400E-BE43-87BB4B5C6F4E}" type="datetime1">
               <a:rPr lang="pt-BR" smtClean="0"/>
-              <a:t>14/03/2023</a:t>
+              <a:t>20/03/2023</a:t>
             </a:fld>
             <a:endParaRPr lang="en-US" dirty="0"/>
           </a:p>
@@ -2643,7 +2642,7 @@
           <a:p>
             <a:fld id="{A9E773EA-BFD5-41D4-8CCD-2C9F67DAB481}" type="datetime1">
               <a:rPr lang="pt-BR" smtClean="0"/>
-              <a:t>14/03/2023</a:t>
+              <a:t>20/03/2023</a:t>
             </a:fld>
             <a:endParaRPr lang="pt-BR" dirty="0"/>
           </a:p>
@@ -2845,7 +2844,7 @@
           <a:p>
             <a:fld id="{DAA7C8B6-CF57-4A95-AF6C-A77E6C230ED3}" type="datetime1">
               <a:rPr lang="pt-BR" smtClean="0"/>
-              <a:t>14/03/2023</a:t>
+              <a:t>20/03/2023</a:t>
             </a:fld>
             <a:endParaRPr lang="pt-BR"/>
           </a:p>
@@ -3129,7 +3128,7 @@
           <a:p>
             <a:fld id="{34D50989-24C8-4023-9B0D-A6D249548FD9}" type="datetime1">
               <a:rPr lang="pt-BR" smtClean="0"/>
-              <a:t>14/03/2023</a:t>
+              <a:t>20/03/2023</a:t>
             </a:fld>
             <a:endParaRPr lang="pt-BR"/>
           </a:p>
@@ -3365,7 +3364,7 @@
           <a:p>
             <a:fld id="{8D9BC96A-9776-4585-A439-BC9E2DA226C1}" type="datetime1">
               <a:rPr lang="pt-BR" smtClean="0"/>
-              <a:t>14/03/2023</a:t>
+              <a:t>20/03/2023</a:t>
             </a:fld>
             <a:endParaRPr lang="pt-BR"/>
           </a:p>
@@ -3748,7 +3747,7 @@
           <a:p>
             <a:fld id="{7D12BE36-2922-4567-BD67-201EFA21BF6D}" type="datetime1">
               <a:rPr lang="pt-BR" smtClean="0"/>
-              <a:t>14/03/2023</a:t>
+              <a:t>20/03/2023</a:t>
             </a:fld>
             <a:endParaRPr lang="pt-BR"/>
           </a:p>
@@ -3860,7 +3859,7 @@
           <a:p>
             <a:fld id="{E5B462A9-4B1E-4013-BFB1-FC92225AC2F2}" type="datetime1">
               <a:rPr lang="pt-BR" smtClean="0"/>
-              <a:t>14/03/2023</a:t>
+              <a:t>20/03/2023</a:t>
             </a:fld>
             <a:endParaRPr lang="pt-BR"/>
           </a:p>
@@ -3944,7 +3943,7 @@
           <a:p>
             <a:fld id="{D0E6EC7A-67E7-4978-9BAE-C8F82A40B13B}" type="datetime1">
               <a:rPr lang="pt-BR" smtClean="0"/>
-              <a:t>14/03/2023</a:t>
+              <a:t>20/03/2023</a:t>
             </a:fld>
             <a:endParaRPr lang="pt-BR"/>
           </a:p>
@@ -4226,7 +4225,7 @@
           <a:p>
             <a:fld id="{6E085A4E-80B8-47DD-9D9B-8E1B205CBB30}" type="datetime1">
               <a:rPr lang="pt-BR" smtClean="0"/>
-              <a:t>14/03/2023</a:t>
+              <a:t>20/03/2023</a:t>
             </a:fld>
             <a:endParaRPr lang="pt-BR"/>
           </a:p>
@@ -4485,7 +4484,7 @@
           <a:p>
             <a:fld id="{F4E9A02C-D9AD-4B8C-9B93-B0980E8E86EB}" type="datetime1">
               <a:rPr lang="pt-BR" smtClean="0"/>
-              <a:t>14/03/2023</a:t>
+              <a:t>20/03/2023</a:t>
             </a:fld>
             <a:endParaRPr lang="pt-BR"/>
           </a:p>
@@ -4697,7 +4696,7 @@
           <a:p>
             <a:fld id="{202762D0-3A59-4B14-83BA-8E0FC8A60AB1}" type="datetime1">
               <a:rPr lang="pt-BR" smtClean="0"/>
-              <a:t>14/03/2023</a:t>
+              <a:t>20/03/2023</a:t>
             </a:fld>
             <a:endParaRPr lang="pt-BR"/>
           </a:p>
@@ -6306,13 +6305,13 @@
   <p:clrMapOvr>
     <a:masterClrMapping/>
   </p:clrMapOvr>
-  <mc:AlternateContent xmlns:mc="http://schemas.openxmlformats.org/markup-compatibility/2006">
-    <mc:Choice xmlns:p14="http://schemas.microsoft.com/office/powerpoint/2010/main" Requires="p14">
+  <mc:AlternateContent xmlns:mc="http://schemas.openxmlformats.org/markup-compatibility/2006" xmlns:p14="http://schemas.microsoft.com/office/powerpoint/2010/main">
+    <mc:Choice Requires="p14">
       <p:transition spd="med" p14:dur="700">
         <p:fade/>
       </p:transition>
     </mc:Choice>
-    <mc:Fallback>
+    <mc:Fallback xmlns="">
       <p:transition spd="med">
         <p:fade/>
       </p:transition>
@@ -7438,13 +7437,13 @@
   <p:clrMapOvr>
     <a:masterClrMapping/>
   </p:clrMapOvr>
-  <mc:AlternateContent xmlns:mc="http://schemas.openxmlformats.org/markup-compatibility/2006">
-    <mc:Choice xmlns:p14="http://schemas.microsoft.com/office/powerpoint/2010/main" Requires="p14">
+  <mc:AlternateContent xmlns:mc="http://schemas.openxmlformats.org/markup-compatibility/2006" xmlns:p14="http://schemas.microsoft.com/office/powerpoint/2010/main">
+    <mc:Choice Requires="p14">
       <p:transition spd="med" p14:dur="700">
         <p:fade/>
       </p:transition>
     </mc:Choice>
-    <mc:Fallback>
+    <mc:Fallback xmlns="">
       <p:transition spd="med">
         <p:fade/>
       </p:transition>
@@ -7686,13 +7685,13 @@
   <p:clrMapOvr>
     <a:masterClrMapping/>
   </p:clrMapOvr>
-  <mc:AlternateContent xmlns:mc="http://schemas.openxmlformats.org/markup-compatibility/2006">
-    <mc:Choice xmlns:p14="http://schemas.microsoft.com/office/powerpoint/2010/main" Requires="p14">
+  <mc:AlternateContent xmlns:mc="http://schemas.openxmlformats.org/markup-compatibility/2006" xmlns:p14="http://schemas.microsoft.com/office/powerpoint/2010/main">
+    <mc:Choice Requires="p14">
       <p:transition spd="med" p14:dur="700">
         <p:fade/>
       </p:transition>
     </mc:Choice>
-    <mc:Fallback>
+    <mc:Fallback xmlns="">
       <p:transition spd="med">
         <p:fade/>
       </p:transition>
@@ -7747,254 +7746,6 @@
           <a:lstStyle/>
           <a:p>
             <a:r>
-              <a:rPr lang="pt-BR" sz="4000" dirty="0" err="1">
-                <a:solidFill>
-                  <a:srgbClr val="ED145B"/>
-                </a:solidFill>
-                <a:latin typeface="Gotham HTF" pitchFamily="50" charset="0"/>
-                <a:cs typeface="Gotham HTF Light"/>
-              </a:rPr>
-              <a:t>Strings</a:t>
-            </a:r>
-            <a:endParaRPr lang="pt-BR" sz="4000" dirty="0">
-              <a:solidFill>
-                <a:srgbClr val="ED145B"/>
-              </a:solidFill>
-              <a:latin typeface="Gotham HTF" pitchFamily="50" charset="0"/>
-              <a:cs typeface="Gotham HTF Light"/>
-            </a:endParaRPr>
-          </a:p>
-        </p:txBody>
-      </p:sp>
-      <p:sp>
-        <p:nvSpPr>
-          <p:cNvPr id="4" name="CaixaDeTexto 3">
-            <a:extLst>
-              <a:ext uri="{FF2B5EF4-FFF2-40B4-BE49-F238E27FC236}">
-                <a16:creationId xmlns:a16="http://schemas.microsoft.com/office/drawing/2014/main" id="{22936B9F-8004-4FA2-8C6F-60259E915230}"/>
-              </a:ext>
-            </a:extLst>
-          </p:cNvPr>
-          <p:cNvSpPr txBox="1"/>
-          <p:nvPr/>
-        </p:nvSpPr>
-        <p:spPr>
-          <a:xfrm>
-            <a:off x="395536" y="1196752"/>
-            <a:ext cx="8424936" cy="1909083"/>
-          </a:xfrm>
-          <a:prstGeom prst="rect">
-            <a:avLst/>
-          </a:prstGeom>
-        </p:spPr>
-        <p:style>
-          <a:lnRef idx="0">
-            <a:scrgbClr r="0" g="0" b="0"/>
-          </a:lnRef>
-          <a:fillRef idx="0">
-            <a:scrgbClr r="0" g="0" b="0"/>
-          </a:fillRef>
-          <a:effectRef idx="0">
-            <a:scrgbClr r="0" g="0" b="0"/>
-          </a:effectRef>
-          <a:fontRef idx="minor">
-            <a:schemeClr val="tx1">
-              <a:hueOff val="0"/>
-              <a:satOff val="0"/>
-              <a:lumOff val="0"/>
-              <a:alphaOff val="0"/>
-            </a:schemeClr>
-          </a:fontRef>
-        </p:style>
-        <p:txBody>
-          <a:bodyPr spcFirstLastPara="0" vert="horz" wrap="square" lIns="41910" tIns="41910" rIns="41910" bIns="41910" numCol="1" spcCol="1270" anchor="t" anchorCtr="0">
-            <a:noAutofit/>
-          </a:bodyPr>
-          <a:lstStyle/>
-          <a:p>
-            <a:pPr marL="171450" lvl="0" indent="-171450" algn="l" defTabSz="466725">
-              <a:lnSpc>
-                <a:spcPct val="90000"/>
-              </a:lnSpc>
-              <a:spcBef>
-                <a:spcPct val="0"/>
-              </a:spcBef>
-              <a:spcAft>
-                <a:spcPct val="35000"/>
-              </a:spcAft>
-              <a:buClr>
-                <a:srgbClr val="ED145B"/>
-              </a:buClr>
-              <a:buFont typeface="Wingdings" panose="05000000000000000000" pitchFamily="2" charset="2"/>
-              <a:buChar char="v"/>
-            </a:pPr>
-            <a:r>
-              <a:rPr lang="pt-BR" sz="2400" kern="1200" dirty="0"/>
-              <a:t>Não existe uma documentação oficial sobre as bibliotecas disponíveis em C;</a:t>
-            </a:r>
-          </a:p>
-          <a:p>
-            <a:pPr marL="171450" lvl="0" indent="-171450" algn="l" defTabSz="466725">
-              <a:lnSpc>
-                <a:spcPct val="90000"/>
-              </a:lnSpc>
-              <a:spcBef>
-                <a:spcPct val="0"/>
-              </a:spcBef>
-              <a:spcAft>
-                <a:spcPct val="35000"/>
-              </a:spcAft>
-              <a:buClr>
-                <a:srgbClr val="ED145B"/>
-              </a:buClr>
-              <a:buFont typeface="Wingdings" panose="05000000000000000000" pitchFamily="2" charset="2"/>
-              <a:buChar char="v"/>
-            </a:pPr>
-            <a:endParaRPr lang="pt-BR" sz="2400" dirty="0"/>
-          </a:p>
-          <a:p>
-            <a:pPr marL="171450" lvl="0" indent="-171450" algn="l" defTabSz="466725">
-              <a:lnSpc>
-                <a:spcPct val="90000"/>
-              </a:lnSpc>
-              <a:spcBef>
-                <a:spcPct val="0"/>
-              </a:spcBef>
-              <a:spcAft>
-                <a:spcPct val="35000"/>
-              </a:spcAft>
-              <a:buClr>
-                <a:srgbClr val="ED145B"/>
-              </a:buClr>
-              <a:buFont typeface="Wingdings" panose="05000000000000000000" pitchFamily="2" charset="2"/>
-              <a:buChar char="v"/>
-            </a:pPr>
-            <a:r>
-              <a:rPr lang="pt-BR" sz="2400" dirty="0"/>
-              <a:t>Mas podemos encontrar manuais e documentos de forma muito fácil na internet;</a:t>
-            </a:r>
-          </a:p>
-          <a:p>
-            <a:pPr marL="171450" lvl="0" indent="-171450" algn="l" defTabSz="466725">
-              <a:lnSpc>
-                <a:spcPct val="90000"/>
-              </a:lnSpc>
-              <a:spcBef>
-                <a:spcPct val="0"/>
-              </a:spcBef>
-              <a:spcAft>
-                <a:spcPct val="35000"/>
-              </a:spcAft>
-              <a:buClr>
-                <a:srgbClr val="ED145B"/>
-              </a:buClr>
-              <a:buFont typeface="Wingdings" panose="05000000000000000000" pitchFamily="2" charset="2"/>
-              <a:buChar char="v"/>
-            </a:pPr>
-            <a:endParaRPr lang="pt-BR" sz="2400" kern="1200" dirty="0"/>
-          </a:p>
-          <a:p>
-            <a:pPr marL="171450" lvl="0" indent="-171450" algn="l" defTabSz="466725">
-              <a:lnSpc>
-                <a:spcPct val="90000"/>
-              </a:lnSpc>
-              <a:spcBef>
-                <a:spcPct val="0"/>
-              </a:spcBef>
-              <a:spcAft>
-                <a:spcPct val="35000"/>
-              </a:spcAft>
-              <a:buClr>
-                <a:srgbClr val="ED145B"/>
-              </a:buClr>
-              <a:buFont typeface="Wingdings" panose="05000000000000000000" pitchFamily="2" charset="2"/>
-              <a:buChar char="v"/>
-            </a:pPr>
-            <a:r>
-              <a:rPr lang="pt-BR" sz="2400" kern="1200" dirty="0"/>
-              <a:t>Um exemplo: </a:t>
-            </a:r>
-            <a:r>
-              <a:rPr lang="pt-BR" sz="2400" kern="1200" dirty="0">
-                <a:hlinkClick r:id="rId2"/>
-              </a:rPr>
-              <a:t>https://www.tutorialspoint.com/c_standard_library/string_h.htm</a:t>
-            </a:r>
-            <a:endParaRPr lang="pt-BR" sz="2400" kern="1200" dirty="0"/>
-          </a:p>
-        </p:txBody>
-      </p:sp>
-    </p:spTree>
-    <p:extLst>
-      <p:ext uri="{BB962C8B-B14F-4D97-AF65-F5344CB8AC3E}">
-        <p14:creationId xmlns:p14="http://schemas.microsoft.com/office/powerpoint/2010/main" val="1562159101"/>
-      </p:ext>
-    </p:extLst>
-  </p:cSld>
-  <p:clrMapOvr>
-    <a:masterClrMapping/>
-  </p:clrMapOvr>
-  <mc:AlternateContent xmlns:mc="http://schemas.openxmlformats.org/markup-compatibility/2006">
-    <mc:Choice xmlns:p14="http://schemas.microsoft.com/office/powerpoint/2010/main" Requires="p14">
-      <p:transition spd="med" p14:dur="700">
-        <p:fade/>
-      </p:transition>
-    </mc:Choice>
-    <mc:Fallback>
-      <p:transition spd="med">
-        <p:fade/>
-      </p:transition>
-    </mc:Fallback>
-  </mc:AlternateContent>
-</p:sld>
-</file>
-
-<file path=ppt/slides/slide14.xml><?xml version="1.0" encoding="utf-8"?>
-<p:sld xmlns:a="http://schemas.openxmlformats.org/drawingml/2006/main" xmlns:r="http://schemas.openxmlformats.org/officeDocument/2006/relationships" xmlns:p="http://schemas.openxmlformats.org/presentationml/2006/main">
-  <p:cSld>
-    <p:spTree>
-      <p:nvGrpSpPr>
-        <p:cNvPr id="1" name=""/>
-        <p:cNvGrpSpPr/>
-        <p:nvPr/>
-      </p:nvGrpSpPr>
-      <p:grpSpPr>
-        <a:xfrm>
-          <a:off x="0" y="0"/>
-          <a:ext cx="0" cy="0"/>
-          <a:chOff x="0" y="0"/>
-          <a:chExt cx="0" cy="0"/>
-        </a:xfrm>
-      </p:grpSpPr>
-      <p:sp>
-        <p:nvSpPr>
-          <p:cNvPr id="9" name="TextBox 6">
-            <a:extLst>
-              <a:ext uri="{FF2B5EF4-FFF2-40B4-BE49-F238E27FC236}">
-                <a16:creationId xmlns:a16="http://schemas.microsoft.com/office/drawing/2014/main" id="{225765AD-71F7-DC36-6CE8-E9873BEE1F3F}"/>
-              </a:ext>
-            </a:extLst>
-          </p:cNvPr>
-          <p:cNvSpPr txBox="1"/>
-          <p:nvPr/>
-        </p:nvSpPr>
-        <p:spPr>
-          <a:xfrm>
-            <a:off x="228600" y="133350"/>
-            <a:ext cx="6324600" cy="707886"/>
-          </a:xfrm>
-          <a:prstGeom prst="rect">
-            <a:avLst/>
-          </a:prstGeom>
-          <a:noFill/>
-        </p:spPr>
-        <p:txBody>
-          <a:bodyPr wrap="square" rtlCol="0">
-            <a:spAutoFit/>
-          </a:bodyPr>
-          <a:lstStyle/>
-          <a:p>
-            <a:r>
               <a:rPr lang="pt-BR" sz="4000" dirty="0">
                 <a:solidFill>
                   <a:srgbClr val="ED145B"/>
@@ -8783,13 +8534,13 @@
   <p:clrMapOvr>
     <a:masterClrMapping/>
   </p:clrMapOvr>
-  <mc:AlternateContent xmlns:mc="http://schemas.openxmlformats.org/markup-compatibility/2006">
-    <mc:Choice xmlns:p14="http://schemas.microsoft.com/office/powerpoint/2010/main" Requires="p14">
+  <mc:AlternateContent xmlns:mc="http://schemas.openxmlformats.org/markup-compatibility/2006" xmlns:p14="http://schemas.microsoft.com/office/powerpoint/2010/main">
+    <mc:Choice Requires="p14">
       <p:transition spd="med" p14:dur="700">
         <p:fade/>
       </p:transition>
     </mc:Choice>
-    <mc:Fallback>
+    <mc:Fallback xmlns="">
       <p:transition spd="med">
         <p:fade/>
       </p:transition>
@@ -9046,7 +8797,7 @@
 </p:sld>
 </file>
 
-<file path=ppt/slides/slide15.xml><?xml version="1.0" encoding="utf-8"?>
+<file path=ppt/slides/slide14.xml><?xml version="1.0" encoding="utf-8"?>
 <p:sld xmlns:a="http://schemas.openxmlformats.org/drawingml/2006/main" xmlns:r="http://schemas.openxmlformats.org/officeDocument/2006/relationships" xmlns:p="http://schemas.openxmlformats.org/presentationml/2006/main">
   <p:cSld>
     <p:spTree>
@@ -9106,7 +8857,7 @@
 </p:sld>
 </file>
 
-<file path=ppt/slides/slide16.xml><?xml version="1.0" encoding="utf-8"?>
+<file path=ppt/slides/slide15.xml><?xml version="1.0" encoding="utf-8"?>
 <p:sld xmlns:a="http://schemas.openxmlformats.org/drawingml/2006/main" xmlns:r="http://schemas.openxmlformats.org/officeDocument/2006/relationships" xmlns:p="http://schemas.openxmlformats.org/presentationml/2006/main">
   <p:cSld>
     <p:spTree>
@@ -9609,7 +9360,7 @@
 </p:sld>
 </file>
 
-<file path=ppt/slides/slide17.xml><?xml version="1.0" encoding="utf-8"?>
+<file path=ppt/slides/slide16.xml><?xml version="1.0" encoding="utf-8"?>
 <p:sld xmlns:a="http://schemas.openxmlformats.org/drawingml/2006/main" xmlns:r="http://schemas.openxmlformats.org/officeDocument/2006/relationships" xmlns:p="http://schemas.openxmlformats.org/presentationml/2006/main">
   <p:cSld>
     <p:spTree>
@@ -9669,7 +9420,7 @@
 </p:sld>
 </file>
 
-<file path=ppt/slides/slide18.xml><?xml version="1.0" encoding="utf-8"?>
+<file path=ppt/slides/slide17.xml><?xml version="1.0" encoding="utf-8"?>
 <p:sld xmlns:a="http://schemas.openxmlformats.org/drawingml/2006/main" xmlns:r="http://schemas.openxmlformats.org/officeDocument/2006/relationships" xmlns:p="http://schemas.openxmlformats.org/presentationml/2006/main">
   <p:cSld>
     <p:spTree>
@@ -10134,7 +9885,7 @@
 </p:sld>
 </file>
 
-<file path=ppt/slides/slide19.xml><?xml version="1.0" encoding="utf-8"?>
+<file path=ppt/slides/slide18.xml><?xml version="1.0" encoding="utf-8"?>
 <p:sld xmlns:a="http://schemas.openxmlformats.org/drawingml/2006/main" xmlns:r="http://schemas.openxmlformats.org/officeDocument/2006/relationships" xmlns:p="http://schemas.openxmlformats.org/presentationml/2006/main">
   <p:cSld>
     <p:spTree>
@@ -10191,6 +9942,505 @@
   <p:clrMapOvr>
     <a:masterClrMapping/>
   </p:clrMapOvr>
+</p:sld>
+</file>
+
+<file path=ppt/slides/slide19.xml><?xml version="1.0" encoding="utf-8"?>
+<p:sld xmlns:a="http://schemas.openxmlformats.org/drawingml/2006/main" xmlns:r="http://schemas.openxmlformats.org/officeDocument/2006/relationships" xmlns:p="http://schemas.openxmlformats.org/presentationml/2006/main">
+  <p:cSld>
+    <p:spTree>
+      <p:nvGrpSpPr>
+        <p:cNvPr id="1" name=""/>
+        <p:cNvGrpSpPr/>
+        <p:nvPr/>
+      </p:nvGrpSpPr>
+      <p:grpSpPr>
+        <a:xfrm>
+          <a:off x="0" y="0"/>
+          <a:ext cx="0" cy="0"/>
+          <a:chOff x="0" y="0"/>
+          <a:chExt cx="0" cy="0"/>
+        </a:xfrm>
+      </p:grpSpPr>
+      <p:sp>
+        <p:nvSpPr>
+          <p:cNvPr id="9" name="TextBox 6">
+            <a:extLst>
+              <a:ext uri="{FF2B5EF4-FFF2-40B4-BE49-F238E27FC236}">
+                <a16:creationId xmlns:a16="http://schemas.microsoft.com/office/drawing/2014/main" id="{225765AD-71F7-DC36-6CE8-E9873BEE1F3F}"/>
+              </a:ext>
+            </a:extLst>
+          </p:cNvPr>
+          <p:cNvSpPr txBox="1"/>
+          <p:nvPr/>
+        </p:nvSpPr>
+        <p:spPr>
+          <a:xfrm>
+            <a:off x="228600" y="133350"/>
+            <a:ext cx="6324600" cy="707886"/>
+          </a:xfrm>
+          <a:prstGeom prst="rect">
+            <a:avLst/>
+          </a:prstGeom>
+          <a:noFill/>
+        </p:spPr>
+        <p:txBody>
+          <a:bodyPr wrap="square" rtlCol="0">
+            <a:spAutoFit/>
+          </a:bodyPr>
+          <a:lstStyle/>
+          <a:p>
+            <a:r>
+              <a:rPr lang="pt-BR" sz="4000" dirty="0" err="1">
+                <a:solidFill>
+                  <a:srgbClr val="ED145B"/>
+                </a:solidFill>
+                <a:latin typeface="Gotham HTF" pitchFamily="50" charset="0"/>
+                <a:cs typeface="Gotham HTF Light"/>
+              </a:rPr>
+              <a:t>Interactive</a:t>
+            </a:r>
+            <a:r>
+              <a:rPr lang="pt-BR" sz="4000" dirty="0">
+                <a:solidFill>
+                  <a:srgbClr val="ED145B"/>
+                </a:solidFill>
+                <a:latin typeface="Gotham HTF" pitchFamily="50" charset="0"/>
+                <a:cs typeface="Gotham HTF Light"/>
+              </a:rPr>
+              <a:t> Chase </a:t>
+            </a:r>
+            <a:r>
+              <a:rPr lang="pt-BR" sz="4000" dirty="0" err="1">
+                <a:solidFill>
+                  <a:srgbClr val="ED145B"/>
+                </a:solidFill>
+                <a:latin typeface="Gotham HTF" pitchFamily="50" charset="0"/>
+                <a:cs typeface="Gotham HTF Light"/>
+              </a:rPr>
+              <a:t>Effect</a:t>
+            </a:r>
+            <a:endParaRPr lang="pt-BR" sz="4000" dirty="0">
+              <a:solidFill>
+                <a:srgbClr val="ED145B"/>
+              </a:solidFill>
+              <a:latin typeface="Gotham HTF" pitchFamily="50" charset="0"/>
+              <a:cs typeface="Gotham HTF Light"/>
+            </a:endParaRPr>
+          </a:p>
+        </p:txBody>
+      </p:sp>
+      <p:sp>
+        <p:nvSpPr>
+          <p:cNvPr id="6" name="Espaço Reservado para Conteúdo 2">
+            <a:extLst>
+              <a:ext uri="{FF2B5EF4-FFF2-40B4-BE49-F238E27FC236}">
+                <a16:creationId xmlns:a16="http://schemas.microsoft.com/office/drawing/2014/main" id="{1191F7F9-B62A-DD9B-C496-2FC215E9A164}"/>
+              </a:ext>
+            </a:extLst>
+          </p:cNvPr>
+          <p:cNvSpPr txBox="1">
+            <a:spLocks/>
+          </p:cNvSpPr>
+          <p:nvPr/>
+        </p:nvSpPr>
+        <p:spPr>
+          <a:xfrm>
+            <a:off x="251520" y="992596"/>
+            <a:ext cx="7886700" cy="3732548"/>
+          </a:xfrm>
+          <a:prstGeom prst="rect">
+            <a:avLst/>
+          </a:prstGeom>
+        </p:spPr>
+        <p:txBody>
+          <a:bodyPr/>
+          <a:lstStyle>
+            <a:lvl1pPr marL="228600" indent="-228600" algn="l" defTabSz="914400" rtl="0" eaLnBrk="1" latinLnBrk="0" hangingPunct="1">
+              <a:lnSpc>
+                <a:spcPct val="90000"/>
+              </a:lnSpc>
+              <a:spcBef>
+                <a:spcPts val="1000"/>
+              </a:spcBef>
+              <a:buFont typeface="Arial" panose="020B0604020202020204" pitchFamily="34" charset="0"/>
+              <a:buChar char="•"/>
+              <a:defRPr sz="2800" kern="1200">
+                <a:solidFill>
+                  <a:schemeClr val="tx1"/>
+                </a:solidFill>
+                <a:latin typeface="+mn-lt"/>
+                <a:ea typeface="+mn-ea"/>
+                <a:cs typeface="+mn-cs"/>
+              </a:defRPr>
+            </a:lvl1pPr>
+            <a:lvl2pPr marL="685800" indent="-228600" algn="l" defTabSz="914400" rtl="0" eaLnBrk="1" latinLnBrk="0" hangingPunct="1">
+              <a:lnSpc>
+                <a:spcPct val="90000"/>
+              </a:lnSpc>
+              <a:spcBef>
+                <a:spcPts val="500"/>
+              </a:spcBef>
+              <a:buFont typeface="Arial" panose="020B0604020202020204" pitchFamily="34" charset="0"/>
+              <a:buChar char="•"/>
+              <a:defRPr sz="2400" kern="1200">
+                <a:solidFill>
+                  <a:schemeClr val="tx1"/>
+                </a:solidFill>
+                <a:latin typeface="+mn-lt"/>
+                <a:ea typeface="+mn-ea"/>
+                <a:cs typeface="+mn-cs"/>
+              </a:defRPr>
+            </a:lvl2pPr>
+            <a:lvl3pPr marL="1143000" indent="-228600" algn="l" defTabSz="914400" rtl="0" eaLnBrk="1" latinLnBrk="0" hangingPunct="1">
+              <a:lnSpc>
+                <a:spcPct val="90000"/>
+              </a:lnSpc>
+              <a:spcBef>
+                <a:spcPts val="500"/>
+              </a:spcBef>
+              <a:buFont typeface="Arial" panose="020B0604020202020204" pitchFamily="34" charset="0"/>
+              <a:buChar char="•"/>
+              <a:defRPr sz="2000" kern="1200">
+                <a:solidFill>
+                  <a:schemeClr val="tx1"/>
+                </a:solidFill>
+                <a:latin typeface="+mn-lt"/>
+                <a:ea typeface="+mn-ea"/>
+                <a:cs typeface="+mn-cs"/>
+              </a:defRPr>
+            </a:lvl3pPr>
+            <a:lvl4pPr marL="1600200" indent="-228600" algn="l" defTabSz="914400" rtl="0" eaLnBrk="1" latinLnBrk="0" hangingPunct="1">
+              <a:lnSpc>
+                <a:spcPct val="90000"/>
+              </a:lnSpc>
+              <a:spcBef>
+                <a:spcPts val="500"/>
+              </a:spcBef>
+              <a:buFont typeface="Arial" panose="020B0604020202020204" pitchFamily="34" charset="0"/>
+              <a:buChar char="•"/>
+              <a:defRPr sz="1800" kern="1200">
+                <a:solidFill>
+                  <a:schemeClr val="tx1"/>
+                </a:solidFill>
+                <a:latin typeface="+mn-lt"/>
+                <a:ea typeface="+mn-ea"/>
+                <a:cs typeface="+mn-cs"/>
+              </a:defRPr>
+            </a:lvl4pPr>
+            <a:lvl5pPr marL="2057400" indent="-228600" algn="l" defTabSz="914400" rtl="0" eaLnBrk="1" latinLnBrk="0" hangingPunct="1">
+              <a:lnSpc>
+                <a:spcPct val="90000"/>
+              </a:lnSpc>
+              <a:spcBef>
+                <a:spcPts val="500"/>
+              </a:spcBef>
+              <a:buFont typeface="Arial" panose="020B0604020202020204" pitchFamily="34" charset="0"/>
+              <a:buChar char="•"/>
+              <a:defRPr sz="1800" kern="1200">
+                <a:solidFill>
+                  <a:schemeClr val="tx1"/>
+                </a:solidFill>
+                <a:latin typeface="+mn-lt"/>
+                <a:ea typeface="+mn-ea"/>
+                <a:cs typeface="+mn-cs"/>
+              </a:defRPr>
+            </a:lvl5pPr>
+            <a:lvl6pPr marL="2514600" indent="-228600" algn="l" defTabSz="914400" rtl="0" eaLnBrk="1" latinLnBrk="0" hangingPunct="1">
+              <a:lnSpc>
+                <a:spcPct val="90000"/>
+              </a:lnSpc>
+              <a:spcBef>
+                <a:spcPts val="500"/>
+              </a:spcBef>
+              <a:buFont typeface="Arial" panose="020B0604020202020204" pitchFamily="34" charset="0"/>
+              <a:buChar char="•"/>
+              <a:defRPr sz="1800" kern="1200">
+                <a:solidFill>
+                  <a:schemeClr val="tx1"/>
+                </a:solidFill>
+                <a:latin typeface="+mn-lt"/>
+                <a:ea typeface="+mn-ea"/>
+                <a:cs typeface="+mn-cs"/>
+              </a:defRPr>
+            </a:lvl6pPr>
+            <a:lvl7pPr marL="2971800" indent="-228600" algn="l" defTabSz="914400" rtl="0" eaLnBrk="1" latinLnBrk="0" hangingPunct="1">
+              <a:lnSpc>
+                <a:spcPct val="90000"/>
+              </a:lnSpc>
+              <a:spcBef>
+                <a:spcPts val="500"/>
+              </a:spcBef>
+              <a:buFont typeface="Arial" panose="020B0604020202020204" pitchFamily="34" charset="0"/>
+              <a:buChar char="•"/>
+              <a:defRPr sz="1800" kern="1200">
+                <a:solidFill>
+                  <a:schemeClr val="tx1"/>
+                </a:solidFill>
+                <a:latin typeface="+mn-lt"/>
+                <a:ea typeface="+mn-ea"/>
+                <a:cs typeface="+mn-cs"/>
+              </a:defRPr>
+            </a:lvl7pPr>
+            <a:lvl8pPr marL="3429000" indent="-228600" algn="l" defTabSz="914400" rtl="0" eaLnBrk="1" latinLnBrk="0" hangingPunct="1">
+              <a:lnSpc>
+                <a:spcPct val="90000"/>
+              </a:lnSpc>
+              <a:spcBef>
+                <a:spcPts val="500"/>
+              </a:spcBef>
+              <a:buFont typeface="Arial" panose="020B0604020202020204" pitchFamily="34" charset="0"/>
+              <a:buChar char="•"/>
+              <a:defRPr sz="1800" kern="1200">
+                <a:solidFill>
+                  <a:schemeClr val="tx1"/>
+                </a:solidFill>
+                <a:latin typeface="+mn-lt"/>
+                <a:ea typeface="+mn-ea"/>
+                <a:cs typeface="+mn-cs"/>
+              </a:defRPr>
+            </a:lvl8pPr>
+            <a:lvl9pPr marL="3886200" indent="-228600" algn="l" defTabSz="914400" rtl="0" eaLnBrk="1" latinLnBrk="0" hangingPunct="1">
+              <a:lnSpc>
+                <a:spcPct val="90000"/>
+              </a:lnSpc>
+              <a:spcBef>
+                <a:spcPts val="500"/>
+              </a:spcBef>
+              <a:buFont typeface="Arial" panose="020B0604020202020204" pitchFamily="34" charset="0"/>
+              <a:buChar char="•"/>
+              <a:defRPr sz="1800" kern="1200">
+                <a:solidFill>
+                  <a:schemeClr val="tx1"/>
+                </a:solidFill>
+                <a:latin typeface="+mn-lt"/>
+                <a:ea typeface="+mn-ea"/>
+                <a:cs typeface="+mn-cs"/>
+              </a:defRPr>
+            </a:lvl9pPr>
+          </a:lstStyle>
+          <a:p>
+            <a:pPr marL="0" indent="0">
+              <a:buFont typeface="Arial" panose="020B0604020202020204" pitchFamily="34" charset="0"/>
+              <a:buNone/>
+            </a:pPr>
+            <a:r>
+              <a:rPr lang="pt-BR" dirty="0"/>
+              <a:t>Vamos controlar a KITT do Super Maquina</a:t>
+            </a:r>
+          </a:p>
+          <a:p>
+            <a:pPr marL="0" indent="0">
+              <a:buFont typeface="Arial" panose="020B0604020202020204" pitchFamily="34" charset="0"/>
+              <a:buNone/>
+            </a:pPr>
+            <a:endParaRPr lang="pt-BR" sz="1800" b="1" dirty="0"/>
+          </a:p>
+          <a:p>
+            <a:pPr marL="0" indent="0">
+              <a:buFont typeface="Arial" panose="020B0604020202020204" pitchFamily="34" charset="0"/>
+              <a:buNone/>
+            </a:pPr>
+            <a:r>
+              <a:rPr lang="pt-BR" sz="1800" b="1" dirty="0"/>
+              <a:t>Material necessário: </a:t>
+            </a:r>
+          </a:p>
+          <a:p>
+            <a:pPr marL="300038" lvl="1" indent="0">
+              <a:buFont typeface="Arial" panose="020B0604020202020204" pitchFamily="34" charset="0"/>
+              <a:buNone/>
+            </a:pPr>
+            <a:r>
+              <a:rPr lang="pt-BR" sz="1800" dirty="0"/>
+              <a:t>• 1 Arduino;</a:t>
+            </a:r>
+          </a:p>
+          <a:p>
+            <a:pPr marL="300038" lvl="1" indent="0">
+              <a:buFont typeface="Arial" panose="020B0604020202020204" pitchFamily="34" charset="0"/>
+              <a:buNone/>
+            </a:pPr>
+            <a:r>
+              <a:rPr lang="pt-BR" sz="1800" dirty="0"/>
+              <a:t>• 10 Resistores de </a:t>
+            </a:r>
+            <a:r>
+              <a:rPr lang="pt-BR" dirty="0"/>
+              <a:t>220</a:t>
+            </a:r>
+            <a:r>
+              <a:rPr lang="pt-BR" sz="1800" dirty="0"/>
+              <a:t> ohms;</a:t>
+            </a:r>
+          </a:p>
+          <a:p>
+            <a:pPr marL="300038" lvl="1" indent="0">
+              <a:buFont typeface="Arial" panose="020B0604020202020204" pitchFamily="34" charset="0"/>
+              <a:buNone/>
+            </a:pPr>
+            <a:r>
+              <a:rPr lang="pt-BR" sz="1800" dirty="0"/>
+              <a:t>• 1 </a:t>
+            </a:r>
+            <a:r>
+              <a:rPr lang="pt-BR" sz="1800" dirty="0" err="1"/>
+              <a:t>Potenciometro</a:t>
+            </a:r>
+            <a:r>
+              <a:rPr lang="pt-BR" sz="1800" dirty="0"/>
+              <a:t>; </a:t>
+            </a:r>
+          </a:p>
+          <a:p>
+            <a:pPr marL="300038" lvl="1" indent="0">
+              <a:buFont typeface="Arial" panose="020B0604020202020204" pitchFamily="34" charset="0"/>
+              <a:buNone/>
+            </a:pPr>
+            <a:r>
+              <a:rPr lang="pt-BR" sz="1800" dirty="0"/>
+              <a:t>• 10 Leds Vermelho; </a:t>
+            </a:r>
+          </a:p>
+          <a:p>
+            <a:pPr marL="300038" lvl="1" indent="0">
+              <a:buFont typeface="Arial" panose="020B0604020202020204" pitchFamily="34" charset="0"/>
+              <a:buNone/>
+            </a:pPr>
+            <a:r>
+              <a:rPr lang="pt-BR" sz="1800" dirty="0"/>
+              <a:t>• 1 Protoboard;</a:t>
+            </a:r>
+          </a:p>
+          <a:p>
+            <a:pPr marL="300038" lvl="1" indent="0">
+              <a:buFont typeface="Arial" panose="020B0604020202020204" pitchFamily="34" charset="0"/>
+              <a:buNone/>
+            </a:pPr>
+            <a:r>
+              <a:rPr lang="pt-BR" sz="1800" dirty="0"/>
+              <a:t> • Jumpers </a:t>
+            </a:r>
+            <a:r>
+              <a:rPr lang="pt-BR" sz="1800" dirty="0" err="1"/>
+              <a:t>cables</a:t>
+            </a:r>
+            <a:r>
+              <a:rPr lang="pt-BR" sz="1800" dirty="0"/>
+              <a:t>.</a:t>
+            </a:r>
+          </a:p>
+        </p:txBody>
+      </p:sp>
+      <p:pic>
+        <p:nvPicPr>
+          <p:cNvPr id="10" name="Picture 4" descr="Resultado de imagem para nerd vector gif">
+            <a:extLst>
+              <a:ext uri="{FF2B5EF4-FFF2-40B4-BE49-F238E27FC236}">
+                <a16:creationId xmlns:a16="http://schemas.microsoft.com/office/drawing/2014/main" id="{20821D97-19E9-1D89-55C2-46C9347CCB44}"/>
+              </a:ext>
+            </a:extLst>
+          </p:cNvPr>
+          <p:cNvPicPr>
+            <a:picLocks noChangeAspect="1" noChangeArrowheads="1" noCrop="1"/>
+          </p:cNvPicPr>
+          <p:nvPr/>
+        </p:nvPicPr>
+        <p:blipFill>
+          <a:blip r:embed="rId2" cstate="print">
+            <a:clrChange>
+              <a:clrFrom>
+                <a:srgbClr val="FFFFFF"/>
+              </a:clrFrom>
+              <a:clrTo>
+                <a:srgbClr val="FFFFFF">
+                  <a:alpha val="0"/>
+                </a:srgbClr>
+              </a:clrTo>
+            </a:clrChange>
+            <a:extLst>
+              <a:ext uri="{28A0092B-C50C-407E-A947-70E740481C1C}">
+                <a14:useLocalDpi xmlns:a14="http://schemas.microsoft.com/office/drawing/2010/main" val="0"/>
+              </a:ext>
+            </a:extLst>
+          </a:blip>
+          <a:srcRect/>
+          <a:stretch>
+            <a:fillRect/>
+          </a:stretch>
+        </p:blipFill>
+        <p:spPr bwMode="auto">
+          <a:xfrm>
+            <a:off x="576067" y="4225039"/>
+            <a:ext cx="2298989" cy="1724241"/>
+          </a:xfrm>
+          <a:prstGeom prst="rect">
+            <a:avLst/>
+          </a:prstGeom>
+          <a:noFill/>
+          <a:extLst>
+            <a:ext uri="{909E8E84-426E-40DD-AFC4-6F175D3DCCD1}">
+              <a14:hiddenFill xmlns:a14="http://schemas.microsoft.com/office/drawing/2010/main">
+                <a:solidFill>
+                  <a:srgbClr val="FFFFFF"/>
+                </a:solidFill>
+              </a14:hiddenFill>
+            </a:ext>
+          </a:extLst>
+        </p:spPr>
+      </p:pic>
+      <p:pic>
+        <p:nvPicPr>
+          <p:cNvPr id="3" name="Imagem 2">
+            <a:extLst>
+              <a:ext uri="{FF2B5EF4-FFF2-40B4-BE49-F238E27FC236}">
+                <a16:creationId xmlns:a16="http://schemas.microsoft.com/office/drawing/2014/main" id="{85ED429C-FCCF-6B76-B42E-F52C9DF22B13}"/>
+              </a:ext>
+            </a:extLst>
+          </p:cNvPr>
+          <p:cNvPicPr>
+            <a:picLocks noChangeAspect="1"/>
+          </p:cNvPicPr>
+          <p:nvPr/>
+        </p:nvPicPr>
+        <p:blipFill>
+          <a:blip r:embed="rId3"/>
+          <a:stretch>
+            <a:fillRect/>
+          </a:stretch>
+        </p:blipFill>
+        <p:spPr>
+          <a:xfrm>
+            <a:off x="2766518" y="2963544"/>
+            <a:ext cx="5769881" cy="3057744"/>
+          </a:xfrm>
+          <a:prstGeom prst="rect">
+            <a:avLst/>
+          </a:prstGeom>
+        </p:spPr>
+      </p:pic>
+    </p:spTree>
+    <p:extLst>
+      <p:ext uri="{BB962C8B-B14F-4D97-AF65-F5344CB8AC3E}">
+        <p14:creationId xmlns:p14="http://schemas.microsoft.com/office/powerpoint/2010/main" val="697695074"/>
+      </p:ext>
+    </p:extLst>
+  </p:cSld>
+  <p:clrMapOvr>
+    <a:masterClrMapping/>
+  </p:clrMapOvr>
+  <mc:AlternateContent xmlns:mc="http://schemas.openxmlformats.org/markup-compatibility/2006" xmlns:p14="http://schemas.microsoft.com/office/powerpoint/2010/main">
+    <mc:Choice Requires="p14">
+      <p:transition spd="med" p14:dur="700">
+        <p:fade/>
+      </p:transition>
+    </mc:Choice>
+    <mc:Fallback xmlns="">
+      <p:transition spd="med">
+        <p:fade/>
+      </p:transition>
+    </mc:Fallback>
+  </mc:AlternateContent>
 </p:sld>
 </file>
 
@@ -11582,505 +11832,6 @@
       </p:grpSpPr>
       <p:sp>
         <p:nvSpPr>
-          <p:cNvPr id="9" name="TextBox 6">
-            <a:extLst>
-              <a:ext uri="{FF2B5EF4-FFF2-40B4-BE49-F238E27FC236}">
-                <a16:creationId xmlns:a16="http://schemas.microsoft.com/office/drawing/2014/main" id="{225765AD-71F7-DC36-6CE8-E9873BEE1F3F}"/>
-              </a:ext>
-            </a:extLst>
-          </p:cNvPr>
-          <p:cNvSpPr txBox="1"/>
-          <p:nvPr/>
-        </p:nvSpPr>
-        <p:spPr>
-          <a:xfrm>
-            <a:off x="228600" y="133350"/>
-            <a:ext cx="6324600" cy="707886"/>
-          </a:xfrm>
-          <a:prstGeom prst="rect">
-            <a:avLst/>
-          </a:prstGeom>
-          <a:noFill/>
-        </p:spPr>
-        <p:txBody>
-          <a:bodyPr wrap="square" rtlCol="0">
-            <a:spAutoFit/>
-          </a:bodyPr>
-          <a:lstStyle/>
-          <a:p>
-            <a:r>
-              <a:rPr lang="pt-BR" sz="4000" dirty="0" err="1">
-                <a:solidFill>
-                  <a:srgbClr val="ED145B"/>
-                </a:solidFill>
-                <a:latin typeface="Gotham HTF" pitchFamily="50" charset="0"/>
-                <a:cs typeface="Gotham HTF Light"/>
-              </a:rPr>
-              <a:t>Interactive</a:t>
-            </a:r>
-            <a:r>
-              <a:rPr lang="pt-BR" sz="4000" dirty="0">
-                <a:solidFill>
-                  <a:srgbClr val="ED145B"/>
-                </a:solidFill>
-                <a:latin typeface="Gotham HTF" pitchFamily="50" charset="0"/>
-                <a:cs typeface="Gotham HTF Light"/>
-              </a:rPr>
-              <a:t> Chase </a:t>
-            </a:r>
-            <a:r>
-              <a:rPr lang="pt-BR" sz="4000" dirty="0" err="1">
-                <a:solidFill>
-                  <a:srgbClr val="ED145B"/>
-                </a:solidFill>
-                <a:latin typeface="Gotham HTF" pitchFamily="50" charset="0"/>
-                <a:cs typeface="Gotham HTF Light"/>
-              </a:rPr>
-              <a:t>Effect</a:t>
-            </a:r>
-            <a:endParaRPr lang="pt-BR" sz="4000" dirty="0">
-              <a:solidFill>
-                <a:srgbClr val="ED145B"/>
-              </a:solidFill>
-              <a:latin typeface="Gotham HTF" pitchFamily="50" charset="0"/>
-              <a:cs typeface="Gotham HTF Light"/>
-            </a:endParaRPr>
-          </a:p>
-        </p:txBody>
-      </p:sp>
-      <p:sp>
-        <p:nvSpPr>
-          <p:cNvPr id="6" name="Espaço Reservado para Conteúdo 2">
-            <a:extLst>
-              <a:ext uri="{FF2B5EF4-FFF2-40B4-BE49-F238E27FC236}">
-                <a16:creationId xmlns:a16="http://schemas.microsoft.com/office/drawing/2014/main" id="{1191F7F9-B62A-DD9B-C496-2FC215E9A164}"/>
-              </a:ext>
-            </a:extLst>
-          </p:cNvPr>
-          <p:cNvSpPr txBox="1">
-            <a:spLocks/>
-          </p:cNvSpPr>
-          <p:nvPr/>
-        </p:nvSpPr>
-        <p:spPr>
-          <a:xfrm>
-            <a:off x="251520" y="992596"/>
-            <a:ext cx="7886700" cy="3732548"/>
-          </a:xfrm>
-          <a:prstGeom prst="rect">
-            <a:avLst/>
-          </a:prstGeom>
-        </p:spPr>
-        <p:txBody>
-          <a:bodyPr/>
-          <a:lstStyle>
-            <a:lvl1pPr marL="228600" indent="-228600" algn="l" defTabSz="914400" rtl="0" eaLnBrk="1" latinLnBrk="0" hangingPunct="1">
-              <a:lnSpc>
-                <a:spcPct val="90000"/>
-              </a:lnSpc>
-              <a:spcBef>
-                <a:spcPts val="1000"/>
-              </a:spcBef>
-              <a:buFont typeface="Arial" panose="020B0604020202020204" pitchFamily="34" charset="0"/>
-              <a:buChar char="•"/>
-              <a:defRPr sz="2800" kern="1200">
-                <a:solidFill>
-                  <a:schemeClr val="tx1"/>
-                </a:solidFill>
-                <a:latin typeface="+mn-lt"/>
-                <a:ea typeface="+mn-ea"/>
-                <a:cs typeface="+mn-cs"/>
-              </a:defRPr>
-            </a:lvl1pPr>
-            <a:lvl2pPr marL="685800" indent="-228600" algn="l" defTabSz="914400" rtl="0" eaLnBrk="1" latinLnBrk="0" hangingPunct="1">
-              <a:lnSpc>
-                <a:spcPct val="90000"/>
-              </a:lnSpc>
-              <a:spcBef>
-                <a:spcPts val="500"/>
-              </a:spcBef>
-              <a:buFont typeface="Arial" panose="020B0604020202020204" pitchFamily="34" charset="0"/>
-              <a:buChar char="•"/>
-              <a:defRPr sz="2400" kern="1200">
-                <a:solidFill>
-                  <a:schemeClr val="tx1"/>
-                </a:solidFill>
-                <a:latin typeface="+mn-lt"/>
-                <a:ea typeface="+mn-ea"/>
-                <a:cs typeface="+mn-cs"/>
-              </a:defRPr>
-            </a:lvl2pPr>
-            <a:lvl3pPr marL="1143000" indent="-228600" algn="l" defTabSz="914400" rtl="0" eaLnBrk="1" latinLnBrk="0" hangingPunct="1">
-              <a:lnSpc>
-                <a:spcPct val="90000"/>
-              </a:lnSpc>
-              <a:spcBef>
-                <a:spcPts val="500"/>
-              </a:spcBef>
-              <a:buFont typeface="Arial" panose="020B0604020202020204" pitchFamily="34" charset="0"/>
-              <a:buChar char="•"/>
-              <a:defRPr sz="2000" kern="1200">
-                <a:solidFill>
-                  <a:schemeClr val="tx1"/>
-                </a:solidFill>
-                <a:latin typeface="+mn-lt"/>
-                <a:ea typeface="+mn-ea"/>
-                <a:cs typeface="+mn-cs"/>
-              </a:defRPr>
-            </a:lvl3pPr>
-            <a:lvl4pPr marL="1600200" indent="-228600" algn="l" defTabSz="914400" rtl="0" eaLnBrk="1" latinLnBrk="0" hangingPunct="1">
-              <a:lnSpc>
-                <a:spcPct val="90000"/>
-              </a:lnSpc>
-              <a:spcBef>
-                <a:spcPts val="500"/>
-              </a:spcBef>
-              <a:buFont typeface="Arial" panose="020B0604020202020204" pitchFamily="34" charset="0"/>
-              <a:buChar char="•"/>
-              <a:defRPr sz="1800" kern="1200">
-                <a:solidFill>
-                  <a:schemeClr val="tx1"/>
-                </a:solidFill>
-                <a:latin typeface="+mn-lt"/>
-                <a:ea typeface="+mn-ea"/>
-                <a:cs typeface="+mn-cs"/>
-              </a:defRPr>
-            </a:lvl4pPr>
-            <a:lvl5pPr marL="2057400" indent="-228600" algn="l" defTabSz="914400" rtl="0" eaLnBrk="1" latinLnBrk="0" hangingPunct="1">
-              <a:lnSpc>
-                <a:spcPct val="90000"/>
-              </a:lnSpc>
-              <a:spcBef>
-                <a:spcPts val="500"/>
-              </a:spcBef>
-              <a:buFont typeface="Arial" panose="020B0604020202020204" pitchFamily="34" charset="0"/>
-              <a:buChar char="•"/>
-              <a:defRPr sz="1800" kern="1200">
-                <a:solidFill>
-                  <a:schemeClr val="tx1"/>
-                </a:solidFill>
-                <a:latin typeface="+mn-lt"/>
-                <a:ea typeface="+mn-ea"/>
-                <a:cs typeface="+mn-cs"/>
-              </a:defRPr>
-            </a:lvl5pPr>
-            <a:lvl6pPr marL="2514600" indent="-228600" algn="l" defTabSz="914400" rtl="0" eaLnBrk="1" latinLnBrk="0" hangingPunct="1">
-              <a:lnSpc>
-                <a:spcPct val="90000"/>
-              </a:lnSpc>
-              <a:spcBef>
-                <a:spcPts val="500"/>
-              </a:spcBef>
-              <a:buFont typeface="Arial" panose="020B0604020202020204" pitchFamily="34" charset="0"/>
-              <a:buChar char="•"/>
-              <a:defRPr sz="1800" kern="1200">
-                <a:solidFill>
-                  <a:schemeClr val="tx1"/>
-                </a:solidFill>
-                <a:latin typeface="+mn-lt"/>
-                <a:ea typeface="+mn-ea"/>
-                <a:cs typeface="+mn-cs"/>
-              </a:defRPr>
-            </a:lvl6pPr>
-            <a:lvl7pPr marL="2971800" indent="-228600" algn="l" defTabSz="914400" rtl="0" eaLnBrk="1" latinLnBrk="0" hangingPunct="1">
-              <a:lnSpc>
-                <a:spcPct val="90000"/>
-              </a:lnSpc>
-              <a:spcBef>
-                <a:spcPts val="500"/>
-              </a:spcBef>
-              <a:buFont typeface="Arial" panose="020B0604020202020204" pitchFamily="34" charset="0"/>
-              <a:buChar char="•"/>
-              <a:defRPr sz="1800" kern="1200">
-                <a:solidFill>
-                  <a:schemeClr val="tx1"/>
-                </a:solidFill>
-                <a:latin typeface="+mn-lt"/>
-                <a:ea typeface="+mn-ea"/>
-                <a:cs typeface="+mn-cs"/>
-              </a:defRPr>
-            </a:lvl7pPr>
-            <a:lvl8pPr marL="3429000" indent="-228600" algn="l" defTabSz="914400" rtl="0" eaLnBrk="1" latinLnBrk="0" hangingPunct="1">
-              <a:lnSpc>
-                <a:spcPct val="90000"/>
-              </a:lnSpc>
-              <a:spcBef>
-                <a:spcPts val="500"/>
-              </a:spcBef>
-              <a:buFont typeface="Arial" panose="020B0604020202020204" pitchFamily="34" charset="0"/>
-              <a:buChar char="•"/>
-              <a:defRPr sz="1800" kern="1200">
-                <a:solidFill>
-                  <a:schemeClr val="tx1"/>
-                </a:solidFill>
-                <a:latin typeface="+mn-lt"/>
-                <a:ea typeface="+mn-ea"/>
-                <a:cs typeface="+mn-cs"/>
-              </a:defRPr>
-            </a:lvl8pPr>
-            <a:lvl9pPr marL="3886200" indent="-228600" algn="l" defTabSz="914400" rtl="0" eaLnBrk="1" latinLnBrk="0" hangingPunct="1">
-              <a:lnSpc>
-                <a:spcPct val="90000"/>
-              </a:lnSpc>
-              <a:spcBef>
-                <a:spcPts val="500"/>
-              </a:spcBef>
-              <a:buFont typeface="Arial" panose="020B0604020202020204" pitchFamily="34" charset="0"/>
-              <a:buChar char="•"/>
-              <a:defRPr sz="1800" kern="1200">
-                <a:solidFill>
-                  <a:schemeClr val="tx1"/>
-                </a:solidFill>
-                <a:latin typeface="+mn-lt"/>
-                <a:ea typeface="+mn-ea"/>
-                <a:cs typeface="+mn-cs"/>
-              </a:defRPr>
-            </a:lvl9pPr>
-          </a:lstStyle>
-          <a:p>
-            <a:pPr marL="0" indent="0">
-              <a:buFont typeface="Arial" panose="020B0604020202020204" pitchFamily="34" charset="0"/>
-              <a:buNone/>
-            </a:pPr>
-            <a:r>
-              <a:rPr lang="pt-BR" dirty="0"/>
-              <a:t>Vamos controlar a KITT do Super Maquina</a:t>
-            </a:r>
-          </a:p>
-          <a:p>
-            <a:pPr marL="0" indent="0">
-              <a:buFont typeface="Arial" panose="020B0604020202020204" pitchFamily="34" charset="0"/>
-              <a:buNone/>
-            </a:pPr>
-            <a:endParaRPr lang="pt-BR" sz="1800" b="1" dirty="0"/>
-          </a:p>
-          <a:p>
-            <a:pPr marL="0" indent="0">
-              <a:buFont typeface="Arial" panose="020B0604020202020204" pitchFamily="34" charset="0"/>
-              <a:buNone/>
-            </a:pPr>
-            <a:r>
-              <a:rPr lang="pt-BR" sz="1800" b="1" dirty="0"/>
-              <a:t>Material necessário: </a:t>
-            </a:r>
-          </a:p>
-          <a:p>
-            <a:pPr marL="300038" lvl="1" indent="0">
-              <a:buFont typeface="Arial" panose="020B0604020202020204" pitchFamily="34" charset="0"/>
-              <a:buNone/>
-            </a:pPr>
-            <a:r>
-              <a:rPr lang="pt-BR" sz="1800" dirty="0"/>
-              <a:t>• 1 Arduino;</a:t>
-            </a:r>
-          </a:p>
-          <a:p>
-            <a:pPr marL="300038" lvl="1" indent="0">
-              <a:buFont typeface="Arial" panose="020B0604020202020204" pitchFamily="34" charset="0"/>
-              <a:buNone/>
-            </a:pPr>
-            <a:r>
-              <a:rPr lang="pt-BR" sz="1800" dirty="0"/>
-              <a:t>• 10 Resistores de </a:t>
-            </a:r>
-            <a:r>
-              <a:rPr lang="pt-BR" dirty="0"/>
-              <a:t>220</a:t>
-            </a:r>
-            <a:r>
-              <a:rPr lang="pt-BR" sz="1800" dirty="0"/>
-              <a:t> ohms;</a:t>
-            </a:r>
-          </a:p>
-          <a:p>
-            <a:pPr marL="300038" lvl="1" indent="0">
-              <a:buFont typeface="Arial" panose="020B0604020202020204" pitchFamily="34" charset="0"/>
-              <a:buNone/>
-            </a:pPr>
-            <a:r>
-              <a:rPr lang="pt-BR" sz="1800" dirty="0"/>
-              <a:t>• 1 </a:t>
-            </a:r>
-            <a:r>
-              <a:rPr lang="pt-BR" sz="1800" dirty="0" err="1"/>
-              <a:t>Potenciometro</a:t>
-            </a:r>
-            <a:r>
-              <a:rPr lang="pt-BR" sz="1800" dirty="0"/>
-              <a:t>; </a:t>
-            </a:r>
-          </a:p>
-          <a:p>
-            <a:pPr marL="300038" lvl="1" indent="0">
-              <a:buFont typeface="Arial" panose="020B0604020202020204" pitchFamily="34" charset="0"/>
-              <a:buNone/>
-            </a:pPr>
-            <a:r>
-              <a:rPr lang="pt-BR" sz="1800" dirty="0"/>
-              <a:t>• 10 Leds Vermelho; </a:t>
-            </a:r>
-          </a:p>
-          <a:p>
-            <a:pPr marL="300038" lvl="1" indent="0">
-              <a:buFont typeface="Arial" panose="020B0604020202020204" pitchFamily="34" charset="0"/>
-              <a:buNone/>
-            </a:pPr>
-            <a:r>
-              <a:rPr lang="pt-BR" sz="1800" dirty="0"/>
-              <a:t>• 1 Protoboard;</a:t>
-            </a:r>
-          </a:p>
-          <a:p>
-            <a:pPr marL="300038" lvl="1" indent="0">
-              <a:buFont typeface="Arial" panose="020B0604020202020204" pitchFamily="34" charset="0"/>
-              <a:buNone/>
-            </a:pPr>
-            <a:r>
-              <a:rPr lang="pt-BR" sz="1800" dirty="0"/>
-              <a:t> • Jumpers </a:t>
-            </a:r>
-            <a:r>
-              <a:rPr lang="pt-BR" sz="1800" dirty="0" err="1"/>
-              <a:t>cables</a:t>
-            </a:r>
-            <a:r>
-              <a:rPr lang="pt-BR" sz="1800" dirty="0"/>
-              <a:t>.</a:t>
-            </a:r>
-          </a:p>
-        </p:txBody>
-      </p:sp>
-      <p:pic>
-        <p:nvPicPr>
-          <p:cNvPr id="10" name="Picture 4" descr="Resultado de imagem para nerd vector gif">
-            <a:extLst>
-              <a:ext uri="{FF2B5EF4-FFF2-40B4-BE49-F238E27FC236}">
-                <a16:creationId xmlns:a16="http://schemas.microsoft.com/office/drawing/2014/main" id="{20821D97-19E9-1D89-55C2-46C9347CCB44}"/>
-              </a:ext>
-            </a:extLst>
-          </p:cNvPr>
-          <p:cNvPicPr>
-            <a:picLocks noChangeAspect="1" noChangeArrowheads="1" noCrop="1"/>
-          </p:cNvPicPr>
-          <p:nvPr/>
-        </p:nvPicPr>
-        <p:blipFill>
-          <a:blip r:embed="rId2" cstate="print">
-            <a:clrChange>
-              <a:clrFrom>
-                <a:srgbClr val="FFFFFF"/>
-              </a:clrFrom>
-              <a:clrTo>
-                <a:srgbClr val="FFFFFF">
-                  <a:alpha val="0"/>
-                </a:srgbClr>
-              </a:clrTo>
-            </a:clrChange>
-            <a:extLst>
-              <a:ext uri="{28A0092B-C50C-407E-A947-70E740481C1C}">
-                <a14:useLocalDpi xmlns:a14="http://schemas.microsoft.com/office/drawing/2010/main" val="0"/>
-              </a:ext>
-            </a:extLst>
-          </a:blip>
-          <a:srcRect/>
-          <a:stretch>
-            <a:fillRect/>
-          </a:stretch>
-        </p:blipFill>
-        <p:spPr bwMode="auto">
-          <a:xfrm>
-            <a:off x="576067" y="4225039"/>
-            <a:ext cx="2298989" cy="1724241"/>
-          </a:xfrm>
-          <a:prstGeom prst="rect">
-            <a:avLst/>
-          </a:prstGeom>
-          <a:noFill/>
-          <a:extLst>
-            <a:ext uri="{909E8E84-426E-40DD-AFC4-6F175D3DCCD1}">
-              <a14:hiddenFill xmlns:a14="http://schemas.microsoft.com/office/drawing/2010/main">
-                <a:solidFill>
-                  <a:srgbClr val="FFFFFF"/>
-                </a:solidFill>
-              </a14:hiddenFill>
-            </a:ext>
-          </a:extLst>
-        </p:spPr>
-      </p:pic>
-      <p:pic>
-        <p:nvPicPr>
-          <p:cNvPr id="3" name="Imagem 2">
-            <a:extLst>
-              <a:ext uri="{FF2B5EF4-FFF2-40B4-BE49-F238E27FC236}">
-                <a16:creationId xmlns:a16="http://schemas.microsoft.com/office/drawing/2014/main" id="{85ED429C-FCCF-6B76-B42E-F52C9DF22B13}"/>
-              </a:ext>
-            </a:extLst>
-          </p:cNvPr>
-          <p:cNvPicPr>
-            <a:picLocks noChangeAspect="1"/>
-          </p:cNvPicPr>
-          <p:nvPr/>
-        </p:nvPicPr>
-        <p:blipFill>
-          <a:blip r:embed="rId3"/>
-          <a:stretch>
-            <a:fillRect/>
-          </a:stretch>
-        </p:blipFill>
-        <p:spPr>
-          <a:xfrm>
-            <a:off x="2766518" y="2963544"/>
-            <a:ext cx="5769881" cy="3057744"/>
-          </a:xfrm>
-          <a:prstGeom prst="rect">
-            <a:avLst/>
-          </a:prstGeom>
-        </p:spPr>
-      </p:pic>
-    </p:spTree>
-    <p:extLst>
-      <p:ext uri="{BB962C8B-B14F-4D97-AF65-F5344CB8AC3E}">
-        <p14:creationId xmlns:p14="http://schemas.microsoft.com/office/powerpoint/2010/main" val="697695074"/>
-      </p:ext>
-    </p:extLst>
-  </p:cSld>
-  <p:clrMapOvr>
-    <a:masterClrMapping/>
-  </p:clrMapOvr>
-  <mc:AlternateContent xmlns:mc="http://schemas.openxmlformats.org/markup-compatibility/2006" xmlns:p14="http://schemas.microsoft.com/office/powerpoint/2010/main">
-    <mc:Choice Requires="p14">
-      <p:transition spd="med" p14:dur="700">
-        <p:fade/>
-      </p:transition>
-    </mc:Choice>
-    <mc:Fallback xmlns="">
-      <p:transition spd="med">
-        <p:fade/>
-      </p:transition>
-    </mc:Fallback>
-  </mc:AlternateContent>
-</p:sld>
-</file>
-
-<file path=ppt/slides/slide21.xml><?xml version="1.0" encoding="utf-8"?>
-<p:sld xmlns:a="http://schemas.openxmlformats.org/drawingml/2006/main" xmlns:r="http://schemas.openxmlformats.org/officeDocument/2006/relationships" xmlns:p="http://schemas.openxmlformats.org/presentationml/2006/main">
-  <p:cSld>
-    <p:spTree>
-      <p:nvGrpSpPr>
-        <p:cNvPr id="1" name=""/>
-        <p:cNvGrpSpPr/>
-        <p:nvPr/>
-      </p:nvGrpSpPr>
-      <p:grpSpPr>
-        <a:xfrm>
-          <a:off x="0" y="0"/>
-          <a:ext cx="0" cy="0"/>
-          <a:chOff x="0" y="0"/>
-          <a:chExt cx="0" cy="0"/>
-        </a:xfrm>
-      </p:grpSpPr>
-      <p:sp>
-        <p:nvSpPr>
           <p:cNvPr id="8" name="Título 7">
             <a:extLst>
               <a:ext uri="{FF2B5EF4-FFF2-40B4-BE49-F238E27FC236}">
@@ -12247,7 +11998,7 @@
             <a:fld id="{3F951EF7-2A75-44A0-8045-6A6595E5FF16}" type="slidenum">
               <a:rPr lang="pt-BR" smtClean="0"/>
               <a:pPr/>
-              <a:t>21</a:t>
+              <a:t>20</a:t>
             </a:fld>
             <a:endParaRPr lang="pt-BR" dirty="0"/>
           </a:p>
@@ -14446,13 +14197,13 @@
   <p:clrMapOvr>
     <a:masterClrMapping/>
   </p:clrMapOvr>
-  <mc:AlternateContent xmlns:mc="http://schemas.openxmlformats.org/markup-compatibility/2006">
-    <mc:Choice xmlns:p14="http://schemas.microsoft.com/office/powerpoint/2010/main" Requires="p14">
+  <mc:AlternateContent xmlns:mc="http://schemas.openxmlformats.org/markup-compatibility/2006" xmlns:p14="http://schemas.microsoft.com/office/powerpoint/2010/main">
+    <mc:Choice Requires="p14">
       <p:transition spd="med" p14:dur="700">
         <p:fade/>
       </p:transition>
     </mc:Choice>
-    <mc:Fallback>
+    <mc:Fallback xmlns="">
       <p:transition spd="med">
         <p:fade/>
       </p:transition>
@@ -15180,13 +14931,13 @@
   <p:clrMapOvr>
     <a:masterClrMapping/>
   </p:clrMapOvr>
-  <mc:AlternateContent xmlns:mc="http://schemas.openxmlformats.org/markup-compatibility/2006">
-    <mc:Choice xmlns:p14="http://schemas.microsoft.com/office/powerpoint/2010/main" Requires="p14">
+  <mc:AlternateContent xmlns:mc="http://schemas.openxmlformats.org/markup-compatibility/2006" xmlns:p14="http://schemas.microsoft.com/office/powerpoint/2010/main">
+    <mc:Choice Requires="p14">
       <p:transition spd="med" p14:dur="700">
         <p:fade/>
       </p:transition>
     </mc:Choice>
-    <mc:Fallback>
+    <mc:Fallback xmlns="">
       <p:transition spd="med">
         <p:fade/>
       </p:transition>
@@ -16105,13 +15856,13 @@
   <p:clrMapOvr>
     <a:masterClrMapping/>
   </p:clrMapOvr>
-  <mc:AlternateContent xmlns:mc="http://schemas.openxmlformats.org/markup-compatibility/2006">
-    <mc:Choice xmlns:p14="http://schemas.microsoft.com/office/powerpoint/2010/main" Requires="p14">
+  <mc:AlternateContent xmlns:mc="http://schemas.openxmlformats.org/markup-compatibility/2006" xmlns:p14="http://schemas.microsoft.com/office/powerpoint/2010/main">
+    <mc:Choice Requires="p14">
       <p:transition spd="med" p14:dur="700">
         <p:fade/>
       </p:transition>
     </mc:Choice>
-    <mc:Fallback>
+    <mc:Fallback xmlns="">
       <p:transition spd="med">
         <p:fade/>
       </p:transition>
@@ -18415,13 +18166,13 @@
   <p:clrMapOvr>
     <a:masterClrMapping/>
   </p:clrMapOvr>
-  <mc:AlternateContent xmlns:mc="http://schemas.openxmlformats.org/markup-compatibility/2006">
-    <mc:Choice xmlns:p14="http://schemas.microsoft.com/office/powerpoint/2010/main" Requires="p14">
+  <mc:AlternateContent xmlns:mc="http://schemas.openxmlformats.org/markup-compatibility/2006" xmlns:p14="http://schemas.microsoft.com/office/powerpoint/2010/main">
+    <mc:Choice Requires="p14">
       <p:transition spd="med" p14:dur="700">
         <p:fade/>
       </p:transition>
     </mc:Choice>
-    <mc:Fallback>
+    <mc:Fallback xmlns="">
       <p:transition spd="med">
         <p:fade/>
       </p:transition>
@@ -19114,13 +18865,13 @@
   <p:clrMapOvr>
     <a:masterClrMapping/>
   </p:clrMapOvr>
-  <mc:AlternateContent xmlns:mc="http://schemas.openxmlformats.org/markup-compatibility/2006">
-    <mc:Choice xmlns:p14="http://schemas.microsoft.com/office/powerpoint/2010/main" Requires="p14">
+  <mc:AlternateContent xmlns:mc="http://schemas.openxmlformats.org/markup-compatibility/2006" xmlns:p14="http://schemas.microsoft.com/office/powerpoint/2010/main">
+    <mc:Choice Requires="p14">
       <p:transition spd="med" p14:dur="700">
         <p:fade/>
       </p:transition>
     </mc:Choice>
-    <mc:Fallback>
+    <mc:Fallback xmlns="">
       <p:transition spd="med">
         <p:fade/>
       </p:transition>
